--- a/Modelo de comunicación.pptx
+++ b/Modelo de comunicación.pptx
@@ -288,7 +288,8 @@
           <a:p>
             <a:fld id="{27A1B73D-184F-4DDC-8690-688A64B4DC57}" type="datetimeFigureOut">
               <a:rPr lang="es-AR" smtClean="0"/>
-              <a:t>18/01/2017</a:t>
+              <a:pPr/>
+              <a:t>24/01/2017</a:t>
             </a:fld>
             <a:endParaRPr lang="es-AR"/>
           </a:p>
@@ -330,6 +331,7 @@
           <a:p>
             <a:fld id="{C131DB8E-B08F-4DA7-B63E-A4BE64C1ADDD}" type="slidenum">
               <a:rPr lang="es-AR" smtClean="0"/>
+              <a:pPr/>
               <a:t>‹Nº›</a:t>
             </a:fld>
             <a:endParaRPr lang="es-AR"/>
@@ -453,7 +455,8 @@
           <a:p>
             <a:fld id="{27A1B73D-184F-4DDC-8690-688A64B4DC57}" type="datetimeFigureOut">
               <a:rPr lang="es-AR" smtClean="0"/>
-              <a:t>18/01/2017</a:t>
+              <a:pPr/>
+              <a:t>24/01/2017</a:t>
             </a:fld>
             <a:endParaRPr lang="es-AR"/>
           </a:p>
@@ -495,6 +498,7 @@
           <a:p>
             <a:fld id="{C131DB8E-B08F-4DA7-B63E-A4BE64C1ADDD}" type="slidenum">
               <a:rPr lang="es-AR" smtClean="0"/>
+              <a:pPr/>
               <a:t>‹Nº›</a:t>
             </a:fld>
             <a:endParaRPr lang="es-AR"/>
@@ -628,7 +632,8 @@
           <a:p>
             <a:fld id="{27A1B73D-184F-4DDC-8690-688A64B4DC57}" type="datetimeFigureOut">
               <a:rPr lang="es-AR" smtClean="0"/>
-              <a:t>18/01/2017</a:t>
+              <a:pPr/>
+              <a:t>24/01/2017</a:t>
             </a:fld>
             <a:endParaRPr lang="es-AR"/>
           </a:p>
@@ -670,6 +675,7 @@
           <a:p>
             <a:fld id="{C131DB8E-B08F-4DA7-B63E-A4BE64C1ADDD}" type="slidenum">
               <a:rPr lang="es-AR" smtClean="0"/>
+              <a:pPr/>
               <a:t>‹Nº›</a:t>
             </a:fld>
             <a:endParaRPr lang="es-AR"/>
@@ -793,7 +799,8 @@
           <a:p>
             <a:fld id="{27A1B73D-184F-4DDC-8690-688A64B4DC57}" type="datetimeFigureOut">
               <a:rPr lang="es-AR" smtClean="0"/>
-              <a:t>18/01/2017</a:t>
+              <a:pPr/>
+              <a:t>24/01/2017</a:t>
             </a:fld>
             <a:endParaRPr lang="es-AR"/>
           </a:p>
@@ -835,6 +842,7 @@
           <a:p>
             <a:fld id="{C131DB8E-B08F-4DA7-B63E-A4BE64C1ADDD}" type="slidenum">
               <a:rPr lang="es-AR" smtClean="0"/>
+              <a:pPr/>
               <a:t>‹Nº›</a:t>
             </a:fld>
             <a:endParaRPr lang="es-AR"/>
@@ -1034,7 +1042,8 @@
           <a:p>
             <a:fld id="{27A1B73D-184F-4DDC-8690-688A64B4DC57}" type="datetimeFigureOut">
               <a:rPr lang="es-AR" smtClean="0"/>
-              <a:t>18/01/2017</a:t>
+              <a:pPr/>
+              <a:t>24/01/2017</a:t>
             </a:fld>
             <a:endParaRPr lang="es-AR"/>
           </a:p>
@@ -1076,6 +1085,7 @@
           <a:p>
             <a:fld id="{C131DB8E-B08F-4DA7-B63E-A4BE64C1ADDD}" type="slidenum">
               <a:rPr lang="es-AR" smtClean="0"/>
+              <a:pPr/>
               <a:t>‹Nº›</a:t>
             </a:fld>
             <a:endParaRPr lang="es-AR"/>
@@ -1317,7 +1327,8 @@
           <a:p>
             <a:fld id="{27A1B73D-184F-4DDC-8690-688A64B4DC57}" type="datetimeFigureOut">
               <a:rPr lang="es-AR" smtClean="0"/>
-              <a:t>18/01/2017</a:t>
+              <a:pPr/>
+              <a:t>24/01/2017</a:t>
             </a:fld>
             <a:endParaRPr lang="es-AR"/>
           </a:p>
@@ -1359,6 +1370,7 @@
           <a:p>
             <a:fld id="{C131DB8E-B08F-4DA7-B63E-A4BE64C1ADDD}" type="slidenum">
               <a:rPr lang="es-AR" smtClean="0"/>
+              <a:pPr/>
               <a:t>‹Nº›</a:t>
             </a:fld>
             <a:endParaRPr lang="es-AR"/>
@@ -1734,7 +1746,8 @@
           <a:p>
             <a:fld id="{27A1B73D-184F-4DDC-8690-688A64B4DC57}" type="datetimeFigureOut">
               <a:rPr lang="es-AR" smtClean="0"/>
-              <a:t>18/01/2017</a:t>
+              <a:pPr/>
+              <a:t>24/01/2017</a:t>
             </a:fld>
             <a:endParaRPr lang="es-AR"/>
           </a:p>
@@ -1776,6 +1789,7 @@
           <a:p>
             <a:fld id="{C131DB8E-B08F-4DA7-B63E-A4BE64C1ADDD}" type="slidenum">
               <a:rPr lang="es-AR" smtClean="0"/>
+              <a:pPr/>
               <a:t>‹Nº›</a:t>
             </a:fld>
             <a:endParaRPr lang="es-AR"/>
@@ -1847,7 +1861,8 @@
           <a:p>
             <a:fld id="{27A1B73D-184F-4DDC-8690-688A64B4DC57}" type="datetimeFigureOut">
               <a:rPr lang="es-AR" smtClean="0"/>
-              <a:t>18/01/2017</a:t>
+              <a:pPr/>
+              <a:t>24/01/2017</a:t>
             </a:fld>
             <a:endParaRPr lang="es-AR"/>
           </a:p>
@@ -1889,6 +1904,7 @@
           <a:p>
             <a:fld id="{C131DB8E-B08F-4DA7-B63E-A4BE64C1ADDD}" type="slidenum">
               <a:rPr lang="es-AR" smtClean="0"/>
+              <a:pPr/>
               <a:t>‹Nº›</a:t>
             </a:fld>
             <a:endParaRPr lang="es-AR"/>
@@ -1937,7 +1953,8 @@
           <a:p>
             <a:fld id="{27A1B73D-184F-4DDC-8690-688A64B4DC57}" type="datetimeFigureOut">
               <a:rPr lang="es-AR" smtClean="0"/>
-              <a:t>18/01/2017</a:t>
+              <a:pPr/>
+              <a:t>24/01/2017</a:t>
             </a:fld>
             <a:endParaRPr lang="es-AR"/>
           </a:p>
@@ -1979,6 +1996,7 @@
           <a:p>
             <a:fld id="{C131DB8E-B08F-4DA7-B63E-A4BE64C1ADDD}" type="slidenum">
               <a:rPr lang="es-AR" smtClean="0"/>
+              <a:pPr/>
               <a:t>‹Nº›</a:t>
             </a:fld>
             <a:endParaRPr lang="es-AR"/>
@@ -2209,7 +2227,8 @@
           <a:p>
             <a:fld id="{27A1B73D-184F-4DDC-8690-688A64B4DC57}" type="datetimeFigureOut">
               <a:rPr lang="es-AR" smtClean="0"/>
-              <a:t>18/01/2017</a:t>
+              <a:pPr/>
+              <a:t>24/01/2017</a:t>
             </a:fld>
             <a:endParaRPr lang="es-AR"/>
           </a:p>
@@ -2251,6 +2270,7 @@
           <a:p>
             <a:fld id="{C131DB8E-B08F-4DA7-B63E-A4BE64C1ADDD}" type="slidenum">
               <a:rPr lang="es-AR" smtClean="0"/>
+              <a:pPr/>
               <a:t>‹Nº›</a:t>
             </a:fld>
             <a:endParaRPr lang="es-AR"/>
@@ -2457,7 +2477,8 @@
           <a:p>
             <a:fld id="{27A1B73D-184F-4DDC-8690-688A64B4DC57}" type="datetimeFigureOut">
               <a:rPr lang="es-AR" smtClean="0"/>
-              <a:t>18/01/2017</a:t>
+              <a:pPr/>
+              <a:t>24/01/2017</a:t>
             </a:fld>
             <a:endParaRPr lang="es-AR"/>
           </a:p>
@@ -2499,6 +2520,7 @@
           <a:p>
             <a:fld id="{C131DB8E-B08F-4DA7-B63E-A4BE64C1ADDD}" type="slidenum">
               <a:rPr lang="es-AR" smtClean="0"/>
+              <a:pPr/>
               <a:t>‹Nº›</a:t>
             </a:fld>
             <a:endParaRPr lang="es-AR"/>
@@ -2665,7 +2687,8 @@
           <a:p>
             <a:fld id="{27A1B73D-184F-4DDC-8690-688A64B4DC57}" type="datetimeFigureOut">
               <a:rPr lang="es-AR" smtClean="0"/>
-              <a:t>18/01/2017</a:t>
+              <a:pPr/>
+              <a:t>24/01/2017</a:t>
             </a:fld>
             <a:endParaRPr lang="es-AR"/>
           </a:p>
@@ -2743,6 +2766,7 @@
           <a:p>
             <a:fld id="{C131DB8E-B08F-4DA7-B63E-A4BE64C1ADDD}" type="slidenum">
               <a:rPr lang="es-AR" smtClean="0"/>
+              <a:pPr/>
               <a:t>‹Nº›</a:t>
             </a:fld>
             <a:endParaRPr lang="es-AR"/>
@@ -3134,220 +3158,226 @@
                 <a:latin typeface="Arial" pitchFamily="34" charset="0"/>
                 <a:cs typeface="Arial" pitchFamily="34" charset="0"/>
               </a:rPr>
-              <a:t>®</a:t>
+              <a:t>®, </a:t>
+            </a:r>
+            <a:r>
+              <a:rPr lang="es-AR" sz="1000" dirty="0">
+                <a:latin typeface="Arial" pitchFamily="34" charset="0"/>
+                <a:cs typeface="Arial" pitchFamily="34" charset="0"/>
+              </a:rPr>
+              <a:t>la que será evaluada por el Departamento de Suscripción de Riesgos. </a:t>
+            </a:r>
+          </a:p>
+          <a:p>
+            <a:endParaRPr lang="es-AR" sz="1000" u="sng" dirty="0">
+              <a:latin typeface="Arial" pitchFamily="34" charset="0"/>
+              <a:cs typeface="Arial" pitchFamily="34" charset="0"/>
+            </a:endParaRPr>
+          </a:p>
+          <a:p>
+            <a:r>
+              <a:rPr lang="es-AR" sz="1000" dirty="0">
+                <a:latin typeface="Arial" pitchFamily="34" charset="0"/>
+                <a:cs typeface="Arial" pitchFamily="34" charset="0"/>
+              </a:rPr>
+              <a:t>La contraseña para la apertura del archivo adjunto es tu DNI sin puntos </a:t>
             </a:r>
             <a:r>
               <a:rPr lang="es-AR" sz="1000" dirty="0" smtClean="0">
                 <a:latin typeface="Arial" pitchFamily="34" charset="0"/>
                 <a:cs typeface="Arial" pitchFamily="34" charset="0"/>
               </a:rPr>
+              <a:t>ni ceros a la izquierda. </a:t>
+            </a:r>
+            <a:r>
+              <a:rPr lang="es-AR" sz="1000" dirty="0">
+                <a:latin typeface="Arial" pitchFamily="34" charset="0"/>
+                <a:cs typeface="Arial" pitchFamily="34" charset="0"/>
+              </a:rPr>
+              <a:t>(</a:t>
+            </a:r>
+            <a:r>
+              <a:rPr lang="es-AR" sz="1000" dirty="0" err="1">
+                <a:latin typeface="Arial" pitchFamily="34" charset="0"/>
+                <a:cs typeface="Arial" pitchFamily="34" charset="0"/>
+              </a:rPr>
+              <a:t>Ej</a:t>
+            </a:r>
+            <a:r>
+              <a:rPr lang="es-AR" sz="1000" dirty="0">
+                <a:latin typeface="Arial" pitchFamily="34" charset="0"/>
+                <a:cs typeface="Arial" pitchFamily="34" charset="0"/>
+              </a:rPr>
+              <a:t>: Si tu DNI es </a:t>
+            </a:r>
+            <a:r>
+              <a:rPr lang="es-AR" sz="1000" dirty="0" smtClean="0">
+                <a:latin typeface="Arial" pitchFamily="34" charset="0"/>
+                <a:cs typeface="Arial" pitchFamily="34" charset="0"/>
+              </a:rPr>
+              <a:t>12.345.678, </a:t>
+            </a:r>
+            <a:r>
+              <a:rPr lang="es-AR" sz="1000" dirty="0" err="1">
+                <a:latin typeface="Arial" pitchFamily="34" charset="0"/>
+                <a:cs typeface="Arial" pitchFamily="34" charset="0"/>
+              </a:rPr>
+              <a:t>debés</a:t>
+            </a:r>
+            <a:r>
+              <a:rPr lang="es-AR" sz="1000" dirty="0">
+                <a:latin typeface="Arial" pitchFamily="34" charset="0"/>
+                <a:cs typeface="Arial" pitchFamily="34" charset="0"/>
+              </a:rPr>
+              <a:t> colocar </a:t>
+            </a:r>
+            <a:r>
+              <a:rPr lang="es-AR" sz="1000" dirty="0" smtClean="0">
+                <a:latin typeface="Arial" pitchFamily="34" charset="0"/>
+                <a:cs typeface="Arial" pitchFamily="34" charset="0"/>
+              </a:rPr>
+              <a:t>12345678). </a:t>
+            </a:r>
+            <a:r>
+              <a:rPr lang="es-AR" sz="1000" dirty="0">
+                <a:latin typeface="Arial" pitchFamily="34" charset="0"/>
+                <a:cs typeface="Arial" pitchFamily="34" charset="0"/>
+              </a:rPr>
+              <a:t>En caso de ser persona jurídica, deberás ingresar los 11 dígitos del CUIT sin guiones ni puntos (</a:t>
+            </a:r>
+            <a:r>
+              <a:rPr lang="es-AR" sz="1000" dirty="0" err="1">
+                <a:latin typeface="Arial" pitchFamily="34" charset="0"/>
+                <a:cs typeface="Arial" pitchFamily="34" charset="0"/>
+              </a:rPr>
+              <a:t>Ej</a:t>
+            </a:r>
+            <a:r>
+              <a:rPr lang="es-AR" sz="1000" dirty="0">
+                <a:latin typeface="Arial" pitchFamily="34" charset="0"/>
+                <a:cs typeface="Arial" pitchFamily="34" charset="0"/>
+              </a:rPr>
+              <a:t>: Si el CUIT informado es </a:t>
+            </a:r>
+            <a:r>
+              <a:rPr lang="es-AR" sz="1000" dirty="0" smtClean="0">
+                <a:latin typeface="Arial" pitchFamily="34" charset="0"/>
+                <a:cs typeface="Arial" pitchFamily="34" charset="0"/>
+              </a:rPr>
+              <a:t>20-12345678-0</a:t>
+            </a:r>
+            <a:r>
+              <a:rPr lang="es-AR" sz="1000" dirty="0">
+                <a:latin typeface="Arial" pitchFamily="34" charset="0"/>
+                <a:cs typeface="Arial" pitchFamily="34" charset="0"/>
+              </a:rPr>
               <a:t>, </a:t>
             </a:r>
             <a:r>
+              <a:rPr lang="es-AR" sz="1000" dirty="0" err="1">
+                <a:latin typeface="Arial" pitchFamily="34" charset="0"/>
+                <a:cs typeface="Arial" pitchFamily="34" charset="0"/>
+              </a:rPr>
+              <a:t>debés</a:t>
+            </a:r>
+            <a:r>
               <a:rPr lang="es-AR" sz="1000" dirty="0">
                 <a:latin typeface="Arial" pitchFamily="34" charset="0"/>
                 <a:cs typeface="Arial" pitchFamily="34" charset="0"/>
               </a:rPr>
-              <a:t>la que será evaluada por el Departamento de Suscripción de Riesgos. </a:t>
-            </a:r>
+              <a:t> ingresar </a:t>
+            </a:r>
+            <a:r>
+              <a:rPr lang="es-AR" sz="1000" dirty="0" smtClean="0">
+                <a:latin typeface="Arial" pitchFamily="34" charset="0"/>
+                <a:cs typeface="Arial" pitchFamily="34" charset="0"/>
+              </a:rPr>
+              <a:t>20123456780</a:t>
+            </a:r>
+            <a:r>
+              <a:rPr lang="es-AR" sz="1000" dirty="0">
+                <a:latin typeface="Arial" pitchFamily="34" charset="0"/>
+                <a:cs typeface="Arial" pitchFamily="34" charset="0"/>
+              </a:rPr>
+              <a:t>). </a:t>
+            </a:r>
+          </a:p>
+          <a:p>
             <a:endParaRPr lang="es-AR" sz="1000" dirty="0">
               <a:latin typeface="Arial" pitchFamily="34" charset="0"/>
               <a:cs typeface="Arial" pitchFamily="34" charset="0"/>
             </a:endParaRPr>
           </a:p>
           <a:p>
-            <a:endParaRPr lang="es-AR" sz="1000" u="sng" dirty="0">
-              <a:latin typeface="Arial" pitchFamily="34" charset="0"/>
-              <a:cs typeface="Arial" pitchFamily="34" charset="0"/>
-            </a:endParaRPr>
-          </a:p>
-          <a:p>
             <a:r>
               <a:rPr lang="es-AR" sz="1000" dirty="0">
                 <a:latin typeface="Arial" pitchFamily="34" charset="0"/>
                 <a:cs typeface="Arial" pitchFamily="34" charset="0"/>
               </a:rPr>
-              <a:t>La contraseña para la apertura del archivo adjunto es tu DNI sin puntos y 8 dígitos. (</a:t>
-            </a:r>
-            <a:r>
-              <a:rPr lang="es-AR" sz="1000" dirty="0" err="1">
-                <a:latin typeface="Arial" pitchFamily="34" charset="0"/>
-                <a:cs typeface="Arial" pitchFamily="34" charset="0"/>
-              </a:rPr>
-              <a:t>Ej</a:t>
+              <a:t>Si no hubieras suscripto la presente solicitud o si </a:t>
+            </a:r>
+            <a:r>
+              <a:rPr lang="es-AR" sz="1000" dirty="0" smtClean="0">
+                <a:latin typeface="Arial" pitchFamily="34" charset="0"/>
+                <a:cs typeface="Arial" pitchFamily="34" charset="0"/>
+              </a:rPr>
+              <a:t>alguno </a:t>
             </a:r>
             <a:r>
               <a:rPr lang="es-AR" sz="1000" dirty="0">
                 <a:latin typeface="Arial" pitchFamily="34" charset="0"/>
                 <a:cs typeface="Arial" pitchFamily="34" charset="0"/>
               </a:rPr>
-              <a:t>: Si tu DNI es 1.234.567, </a:t>
-            </a:r>
-            <a:r>
-              <a:rPr lang="es-AR" sz="1000" dirty="0" err="1">
-                <a:latin typeface="Arial" pitchFamily="34" charset="0"/>
-                <a:cs typeface="Arial" pitchFamily="34" charset="0"/>
-              </a:rPr>
-              <a:t>debés</a:t>
+              <a:t>de </a:t>
+            </a:r>
+            <a:r>
+              <a:rPr lang="es-AR" sz="1000" dirty="0" smtClean="0">
+                <a:latin typeface="Arial" pitchFamily="34" charset="0"/>
+                <a:cs typeface="Arial" pitchFamily="34" charset="0"/>
+              </a:rPr>
+              <a:t>los </a:t>
             </a:r>
             <a:r>
               <a:rPr lang="es-AR" sz="1000" dirty="0">
                 <a:latin typeface="Arial" pitchFamily="34" charset="0"/>
                 <a:cs typeface="Arial" pitchFamily="34" charset="0"/>
               </a:rPr>
-              <a:t> colocar 01234567). En caso de ser persona jurídica, deberás ingresar los 11 dígitos del CUIT sin guiones ni puntos (</a:t>
-            </a:r>
-            <a:r>
-              <a:rPr lang="es-AR" sz="1000" dirty="0" err="1">
-                <a:latin typeface="Arial" pitchFamily="34" charset="0"/>
-                <a:cs typeface="Arial" pitchFamily="34" charset="0"/>
-              </a:rPr>
-              <a:t>Ej</a:t>
+              <a:t>datos no coincidiera con lo oportunamente declarado, te solicitamos que tengas a bien contactarte a la brevedad con su asesor </a:t>
+            </a:r>
+            <a:r>
+              <a:rPr lang="es-AR" sz="1000" dirty="0" err="1" smtClean="0">
+                <a:latin typeface="Arial" pitchFamily="34" charset="0"/>
+                <a:cs typeface="Arial" pitchFamily="34" charset="0"/>
+              </a:rPr>
+              <a:t>Life</a:t>
+            </a:r>
+            <a:r>
+              <a:rPr lang="es-AR" sz="1000" dirty="0" smtClean="0">
+                <a:latin typeface="Arial" pitchFamily="34" charset="0"/>
+                <a:cs typeface="Arial" pitchFamily="34" charset="0"/>
+              </a:rPr>
+              <a:t> </a:t>
+            </a:r>
+            <a:r>
+              <a:rPr lang="es-AR" sz="1000" dirty="0" err="1" smtClean="0">
+                <a:latin typeface="Arial" pitchFamily="34" charset="0"/>
+                <a:cs typeface="Arial" pitchFamily="34" charset="0"/>
+              </a:rPr>
+              <a:t>Planner</a:t>
+            </a:r>
+            <a:r>
+              <a:rPr lang="es-AR" sz="1000" dirty="0" smtClean="0">
+                <a:latin typeface="Arial" pitchFamily="34" charset="0"/>
+                <a:cs typeface="Arial" pitchFamily="34" charset="0"/>
+              </a:rPr>
+              <a:t>®, o </a:t>
             </a:r>
             <a:r>
               <a:rPr lang="es-AR" sz="1000" dirty="0">
                 <a:latin typeface="Arial" pitchFamily="34" charset="0"/>
                 <a:cs typeface="Arial" pitchFamily="34" charset="0"/>
               </a:rPr>
-              <a:t>: Si el CUIT informado es </a:t>
-            </a:r>
-            <a:r>
-              <a:rPr lang="es-AR" sz="1000" dirty="0" smtClean="0">
-                <a:latin typeface="Arial" pitchFamily="34" charset="0"/>
-                <a:cs typeface="Arial" pitchFamily="34" charset="0"/>
-              </a:rPr>
-              <a:t>20-12345678-0</a:t>
-            </a:r>
-            <a:r>
-              <a:rPr lang="es-AR" sz="1000" dirty="0">
-                <a:latin typeface="Arial" pitchFamily="34" charset="0"/>
-                <a:cs typeface="Arial" pitchFamily="34" charset="0"/>
-              </a:rPr>
-              <a:t>, </a:t>
-            </a:r>
-            <a:r>
-              <a:rPr lang="es-AR" sz="1000" dirty="0" err="1">
-                <a:latin typeface="Arial" pitchFamily="34" charset="0"/>
-                <a:cs typeface="Arial" pitchFamily="34" charset="0"/>
-              </a:rPr>
-              <a:t>debés</a:t>
-            </a:r>
-            <a:r>
-              <a:rPr lang="es-AR" sz="1000" dirty="0">
-                <a:latin typeface="Arial" pitchFamily="34" charset="0"/>
-                <a:cs typeface="Arial" pitchFamily="34" charset="0"/>
-              </a:rPr>
-              <a:t> ingresar </a:t>
-            </a:r>
-            <a:r>
-              <a:rPr lang="es-AR" sz="1000" dirty="0" smtClean="0">
-                <a:latin typeface="Arial" pitchFamily="34" charset="0"/>
-                <a:cs typeface="Arial" pitchFamily="34" charset="0"/>
-              </a:rPr>
-              <a:t>20123456780</a:t>
-            </a:r>
-            <a:r>
-              <a:rPr lang="es-AR" sz="1000" dirty="0">
-                <a:latin typeface="Arial" pitchFamily="34" charset="0"/>
-                <a:cs typeface="Arial" pitchFamily="34" charset="0"/>
-              </a:rPr>
-              <a:t>). </a:t>
-            </a:r>
-            <a:endParaRPr lang="es-AR" sz="1000" dirty="0">
-              <a:latin typeface="Arial" pitchFamily="34" charset="0"/>
-              <a:cs typeface="Arial" pitchFamily="34" charset="0"/>
-            </a:endParaRPr>
-          </a:p>
-          <a:p>
-            <a:endParaRPr lang="es-AR" sz="1000" dirty="0">
-              <a:latin typeface="Arial" pitchFamily="34" charset="0"/>
-              <a:cs typeface="Arial" pitchFamily="34" charset="0"/>
-            </a:endParaRPr>
-          </a:p>
-          <a:p>
-            <a:r>
-              <a:rPr lang="es-AR" sz="1000" dirty="0">
-                <a:latin typeface="Arial" pitchFamily="34" charset="0"/>
-                <a:cs typeface="Arial" pitchFamily="34" charset="0"/>
-              </a:rPr>
-              <a:t>Si no hubieras suscripto la presente solicitud o si </a:t>
-            </a:r>
-            <a:r>
-              <a:rPr lang="es-AR" sz="1000" dirty="0" smtClean="0">
-                <a:latin typeface="Arial" pitchFamily="34" charset="0"/>
-                <a:cs typeface="Arial" pitchFamily="34" charset="0"/>
-              </a:rPr>
-              <a:t>alguno </a:t>
-            </a:r>
-            <a:r>
-              <a:rPr lang="es-AR" sz="1000" dirty="0">
-                <a:latin typeface="Arial" pitchFamily="34" charset="0"/>
-                <a:cs typeface="Arial" pitchFamily="34" charset="0"/>
-              </a:rPr>
-              <a:t>de </a:t>
-            </a:r>
-            <a:r>
-              <a:rPr lang="es-AR" sz="1000" dirty="0" smtClean="0">
-                <a:latin typeface="Arial" pitchFamily="34" charset="0"/>
-                <a:cs typeface="Arial" pitchFamily="34" charset="0"/>
-              </a:rPr>
-              <a:t>los </a:t>
-            </a:r>
-            <a:r>
-              <a:rPr lang="es-AR" sz="1000" dirty="0">
-                <a:latin typeface="Arial" pitchFamily="34" charset="0"/>
-                <a:cs typeface="Arial" pitchFamily="34" charset="0"/>
-              </a:rPr>
-              <a:t>datos no coincidiera con lo oportunamente declarado, te solicitamos que tengas a bien contactarte a la brevedad con su asesor </a:t>
-            </a:r>
-            <a:r>
-              <a:rPr lang="es-AR" sz="1000" dirty="0" err="1" smtClean="0">
-                <a:latin typeface="Arial" pitchFamily="34" charset="0"/>
-                <a:cs typeface="Arial" pitchFamily="34" charset="0"/>
-              </a:rPr>
-              <a:t>Life</a:t>
-            </a:r>
-            <a:r>
-              <a:rPr lang="es-AR" sz="1000" dirty="0" smtClean="0">
-                <a:latin typeface="Arial" pitchFamily="34" charset="0"/>
-                <a:cs typeface="Arial" pitchFamily="34" charset="0"/>
-              </a:rPr>
-              <a:t> </a:t>
-            </a:r>
-            <a:r>
-              <a:rPr lang="es-AR" sz="1000" dirty="0" err="1" smtClean="0">
-                <a:latin typeface="Arial" pitchFamily="34" charset="0"/>
-                <a:cs typeface="Arial" pitchFamily="34" charset="0"/>
-              </a:rPr>
-              <a:t>Planner</a:t>
-            </a:r>
-            <a:r>
-              <a:rPr lang="es-AR" sz="1000" dirty="0" smtClean="0">
-                <a:latin typeface="Arial" pitchFamily="34" charset="0"/>
-                <a:cs typeface="Arial" pitchFamily="34" charset="0"/>
-              </a:rPr>
-              <a:t>®, </a:t>
-            </a:r>
-            <a:r>
-              <a:rPr lang="es-AR" sz="1000" dirty="0" smtClean="0">
-                <a:latin typeface="Arial" pitchFamily="34" charset="0"/>
-                <a:cs typeface="Arial" pitchFamily="34" charset="0"/>
-              </a:rPr>
-              <a:t>o </a:t>
-            </a:r>
-            <a:r>
-              <a:rPr lang="es-AR" sz="1000" dirty="0">
-                <a:latin typeface="Arial" pitchFamily="34" charset="0"/>
-                <a:cs typeface="Arial" pitchFamily="34" charset="0"/>
-              </a:rPr>
-              <a:t>con nuestro departamento de Atención al Asegurado, que están preparados para brindarte un servicio personalizado. </a:t>
-            </a:r>
-            <a:r>
-              <a:rPr lang="es-AR" sz="1000" dirty="0">
-                <a:latin typeface="Arial" pitchFamily="34" charset="0"/>
-                <a:cs typeface="Arial" pitchFamily="34" charset="0"/>
-              </a:rPr>
-              <a:t>Caso contrario, procederemos a la suscripción de la solicitud correspondiente en base a la información aportada al momento de la contratación de la cobertura en cuestión. </a:t>
+              <a:t>con nuestro departamento de Atención al Asegurado, que están preparados para brindarte un servicio personalizado. Caso contrario, procederemos a la suscripción de la solicitud correspondiente en base a la información aportada al momento de la contratación de la cobertura en cuestión. </a:t>
             </a:r>
           </a:p>
           <a:p>
